--- a/重要积累.pptx
+++ b/重要积累.pptx
@@ -19,6 +19,7 @@
     <p:sldId id="268" r:id="rId13"/>
     <p:sldId id="269" r:id="rId14"/>
     <p:sldId id="267" r:id="rId15"/>
+    <p:sldId id="270" r:id="rId16"/>
   </p:sldIdLst>
   <p:sldSz cx="12192000" cy="6858000"/>
   <p:notesSz cx="6858000" cy="9144000"/>
@@ -256,7 +257,7 @@
           <a:p>
             <a:fld id="{1E8513ED-A224-47B9-AD2E-71E9B3AF4A73}" type="datetimeFigureOut">
               <a:rPr lang="zh-CN" altLang="en-US" smtClean="0"/>
-              <a:t>2018/3/27</a:t>
+              <a:t>2018/4/3</a:t>
             </a:fld>
             <a:endParaRPr lang="zh-CN" altLang="en-US"/>
           </a:p>
@@ -426,7 +427,7 @@
           <a:p>
             <a:fld id="{1E8513ED-A224-47B9-AD2E-71E9B3AF4A73}" type="datetimeFigureOut">
               <a:rPr lang="zh-CN" altLang="en-US" smtClean="0"/>
-              <a:t>2018/3/27</a:t>
+              <a:t>2018/4/3</a:t>
             </a:fld>
             <a:endParaRPr lang="zh-CN" altLang="en-US"/>
           </a:p>
@@ -606,7 +607,7 @@
           <a:p>
             <a:fld id="{1E8513ED-A224-47B9-AD2E-71E9B3AF4A73}" type="datetimeFigureOut">
               <a:rPr lang="zh-CN" altLang="en-US" smtClean="0"/>
-              <a:t>2018/3/27</a:t>
+              <a:t>2018/4/3</a:t>
             </a:fld>
             <a:endParaRPr lang="zh-CN" altLang="en-US"/>
           </a:p>
@@ -776,7 +777,7 @@
           <a:p>
             <a:fld id="{1E8513ED-A224-47B9-AD2E-71E9B3AF4A73}" type="datetimeFigureOut">
               <a:rPr lang="zh-CN" altLang="en-US" smtClean="0"/>
-              <a:t>2018/3/27</a:t>
+              <a:t>2018/4/3</a:t>
             </a:fld>
             <a:endParaRPr lang="zh-CN" altLang="en-US"/>
           </a:p>
@@ -1022,7 +1023,7 @@
           <a:p>
             <a:fld id="{1E8513ED-A224-47B9-AD2E-71E9B3AF4A73}" type="datetimeFigureOut">
               <a:rPr lang="zh-CN" altLang="en-US" smtClean="0"/>
-              <a:t>2018/3/27</a:t>
+              <a:t>2018/4/3</a:t>
             </a:fld>
             <a:endParaRPr lang="zh-CN" altLang="en-US"/>
           </a:p>
@@ -1254,7 +1255,7 @@
           <a:p>
             <a:fld id="{1E8513ED-A224-47B9-AD2E-71E9B3AF4A73}" type="datetimeFigureOut">
               <a:rPr lang="zh-CN" altLang="en-US" smtClean="0"/>
-              <a:t>2018/3/27</a:t>
+              <a:t>2018/4/3</a:t>
             </a:fld>
             <a:endParaRPr lang="zh-CN" altLang="en-US"/>
           </a:p>
@@ -1621,7 +1622,7 @@
           <a:p>
             <a:fld id="{1E8513ED-A224-47B9-AD2E-71E9B3AF4A73}" type="datetimeFigureOut">
               <a:rPr lang="zh-CN" altLang="en-US" smtClean="0"/>
-              <a:t>2018/3/27</a:t>
+              <a:t>2018/4/3</a:t>
             </a:fld>
             <a:endParaRPr lang="zh-CN" altLang="en-US"/>
           </a:p>
@@ -1739,7 +1740,7 @@
           <a:p>
             <a:fld id="{1E8513ED-A224-47B9-AD2E-71E9B3AF4A73}" type="datetimeFigureOut">
               <a:rPr lang="zh-CN" altLang="en-US" smtClean="0"/>
-              <a:t>2018/3/27</a:t>
+              <a:t>2018/4/3</a:t>
             </a:fld>
             <a:endParaRPr lang="zh-CN" altLang="en-US"/>
           </a:p>
@@ -1834,7 +1835,7 @@
           <a:p>
             <a:fld id="{1E8513ED-A224-47B9-AD2E-71E9B3AF4A73}" type="datetimeFigureOut">
               <a:rPr lang="zh-CN" altLang="en-US" smtClean="0"/>
-              <a:t>2018/3/27</a:t>
+              <a:t>2018/4/3</a:t>
             </a:fld>
             <a:endParaRPr lang="zh-CN" altLang="en-US"/>
           </a:p>
@@ -2111,7 +2112,7 @@
           <a:p>
             <a:fld id="{1E8513ED-A224-47B9-AD2E-71E9B3AF4A73}" type="datetimeFigureOut">
               <a:rPr lang="zh-CN" altLang="en-US" smtClean="0"/>
-              <a:t>2018/3/27</a:t>
+              <a:t>2018/4/3</a:t>
             </a:fld>
             <a:endParaRPr lang="zh-CN" altLang="en-US"/>
           </a:p>
@@ -2364,7 +2365,7 @@
           <a:p>
             <a:fld id="{1E8513ED-A224-47B9-AD2E-71E9B3AF4A73}" type="datetimeFigureOut">
               <a:rPr lang="zh-CN" altLang="en-US" smtClean="0"/>
-              <a:t>2018/3/27</a:t>
+              <a:t>2018/4/3</a:t>
             </a:fld>
             <a:endParaRPr lang="zh-CN" altLang="en-US"/>
           </a:p>
@@ -2577,7 +2578,7 @@
           <a:p>
             <a:fld id="{1E8513ED-A224-47B9-AD2E-71E9B3AF4A73}" type="datetimeFigureOut">
               <a:rPr lang="zh-CN" altLang="en-US" smtClean="0"/>
-              <a:t>2018/3/27</a:t>
+              <a:t>2018/4/3</a:t>
             </a:fld>
             <a:endParaRPr lang="zh-CN" altLang="en-US"/>
           </a:p>
@@ -3001,7 +3002,6 @@
               <a:rPr lang="zh-CN" altLang="en-US"/>
               <a:t>推陈出新</a:t>
             </a:r>
-            <a:endParaRPr lang="zh-CN" altLang="en-US"/>
           </a:p>
         </p:txBody>
       </p:sp>
@@ -4625,119 +4625,7 @@
                 <a:latin typeface="微软雅黑" panose="020B0503020204020204" pitchFamily="34" charset="-122"/>
                 <a:ea typeface="微软雅黑" panose="020B0503020204020204" pitchFamily="34" charset="-122"/>
               </a:rPr>
-              <a:t>输入：基于CBOW的语料训练样本，词向量的维度</a:t>
-            </a:r>
-            <a:r>
-              <a:rPr kumimoji="0" lang="zh-CN" altLang="zh-CN" sz="1600" b="0" i="0" u="none" strike="noStrike" cap="none" normalizeH="0" baseline="0" smtClean="0">
-                <a:ln>
-                  <a:noFill/>
-                </a:ln>
-                <a:solidFill>
-                  <a:srgbClr val="000000"/>
-                </a:solidFill>
-                <a:effectLst/>
-                <a:latin typeface="微软雅黑" panose="020B0503020204020204" pitchFamily="34" charset="-122"/>
-                <a:ea typeface="微软雅黑" panose="020B0503020204020204" pitchFamily="34" charset="-122"/>
-              </a:rPr>
-              <a:t>大小</a:t>
-            </a:r>
-            <a:r>
-              <a:rPr kumimoji="0" lang="zh-CN" altLang="zh-CN" sz="1600" b="0" i="0" u="none" strike="noStrike" cap="none" normalizeH="0" baseline="0" smtClean="0">
-                <a:ln>
-                  <a:noFill/>
-                </a:ln>
-                <a:solidFill>
-                  <a:srgbClr val="000000"/>
-                </a:solidFill>
-                <a:effectLst/>
-                <a:latin typeface="微软雅黑" panose="020B0503020204020204" pitchFamily="34" charset="-122"/>
-                <a:ea typeface="微软雅黑" panose="020B0503020204020204" pitchFamily="34" charset="-122"/>
-              </a:rPr>
-              <a:t>M，</a:t>
-            </a:r>
-            <a:r>
-              <a:rPr kumimoji="0" lang="zh-CN" altLang="zh-CN" sz="1600" b="0" i="0" u="none" strike="noStrike" cap="none" normalizeH="0" baseline="0" smtClean="0">
-                <a:ln>
-                  <a:noFill/>
-                </a:ln>
-                <a:solidFill>
-                  <a:srgbClr val="000000"/>
-                </a:solidFill>
-                <a:effectLst/>
-                <a:latin typeface="微软雅黑" panose="020B0503020204020204" pitchFamily="34" charset="-122"/>
-                <a:ea typeface="微软雅黑" panose="020B0503020204020204" pitchFamily="34" charset="-122"/>
-              </a:rPr>
-              <a:t>CBOW的</a:t>
-            </a:r>
-            <a:r>
-              <a:rPr kumimoji="0" lang="zh-CN" altLang="zh-CN" sz="1600" b="0" i="0" u="none" strike="noStrike" cap="none" normalizeH="0" baseline="0" smtClean="0">
-                <a:ln>
-                  <a:noFill/>
-                </a:ln>
-                <a:solidFill>
-                  <a:srgbClr val="000000"/>
-                </a:solidFill>
-                <a:effectLst/>
-                <a:latin typeface="微软雅黑" panose="020B0503020204020204" pitchFamily="34" charset="-122"/>
-                <a:ea typeface="微软雅黑" panose="020B0503020204020204" pitchFamily="34" charset="-122"/>
-              </a:rPr>
-              <a:t>上下文</a:t>
-            </a:r>
-            <a:r>
-              <a:rPr kumimoji="0" lang="zh-CN" altLang="zh-CN" sz="1600" b="0" i="0" u="none" strike="noStrike" cap="none" normalizeH="0" baseline="0" smtClean="0">
-                <a:ln>
-                  <a:noFill/>
-                </a:ln>
-                <a:solidFill>
-                  <a:srgbClr val="000000"/>
-                </a:solidFill>
-                <a:effectLst/>
-                <a:latin typeface="微软雅黑" panose="020B0503020204020204" pitchFamily="34" charset="-122"/>
-                <a:ea typeface="微软雅黑" panose="020B0503020204020204" pitchFamily="34" charset="-122"/>
-              </a:rPr>
-              <a:t>大小2</a:t>
-            </a:r>
-            <a:r>
-              <a:rPr kumimoji="0" lang="zh-CN" altLang="zh-CN" sz="1600" b="0" i="0" u="none" strike="noStrike" cap="none" normalizeH="0" baseline="0" smtClean="0">
-                <a:ln>
-                  <a:noFill/>
-                </a:ln>
-                <a:solidFill>
-                  <a:srgbClr val="000000"/>
-                </a:solidFill>
-                <a:effectLst/>
-                <a:latin typeface="微软雅黑" panose="020B0503020204020204" pitchFamily="34" charset="-122"/>
-                <a:ea typeface="微软雅黑" panose="020B0503020204020204" pitchFamily="34" charset="-122"/>
-              </a:rPr>
-              <a:t>c</a:t>
-            </a:r>
-            <a:r>
-              <a:rPr kumimoji="0" lang="zh-CN" altLang="zh-CN" sz="1600" b="0" i="0" u="none" strike="noStrike" cap="none" normalizeH="0" baseline="0" smtClean="0">
-                <a:ln>
-                  <a:noFill/>
-                </a:ln>
-                <a:solidFill>
-                  <a:srgbClr val="000000"/>
-                </a:solidFill>
-                <a:effectLst/>
-                <a:latin typeface="微软雅黑" panose="020B0503020204020204" pitchFamily="34" charset="-122"/>
-                <a:ea typeface="微软雅黑" panose="020B0503020204020204" pitchFamily="34" charset="-122"/>
-              </a:rPr>
-              <a:t>,</a:t>
-            </a:r>
-            <a:r>
-              <a:rPr kumimoji="0" lang="zh-CN" altLang="zh-CN" sz="1600" b="0" i="0" u="none" strike="noStrike" cap="none" normalizeH="0" baseline="0" smtClean="0">
-                <a:ln>
-                  <a:noFill/>
-                </a:ln>
-                <a:solidFill>
-                  <a:srgbClr val="000000"/>
-                </a:solidFill>
-                <a:effectLst/>
-                <a:latin typeface="微软雅黑" panose="020B0503020204020204" pitchFamily="34" charset="-122"/>
-                <a:ea typeface="微软雅黑" panose="020B0503020204020204" pitchFamily="34" charset="-122"/>
-              </a:rPr>
-              <a:t>步长η</a:t>
+              <a:t>输入：基于CBOW的语料训练样本，词向量的维度大小M，CBOW的上下文大小2c,步长η</a:t>
             </a:r>
             <a:endParaRPr kumimoji="0" lang="zh-CN" altLang="zh-CN" sz="1600" b="0" i="0" u="none" strike="noStrike" cap="none" normalizeH="0" baseline="0" smtClean="0">
               <a:ln>
@@ -4780,91 +4668,7 @@
                 <a:latin typeface="微软雅黑" panose="020B0503020204020204" pitchFamily="34" charset="-122"/>
                 <a:ea typeface="微软雅黑" panose="020B0503020204020204" pitchFamily="34" charset="-122"/>
               </a:rPr>
-              <a:t>输出</a:t>
-            </a:r>
-            <a:r>
-              <a:rPr kumimoji="0" lang="zh-CN" altLang="zh-CN" sz="1600" b="0" i="0" u="none" strike="noStrike" cap="none" normalizeH="0" baseline="0" smtClean="0">
-                <a:ln>
-                  <a:noFill/>
-                </a:ln>
-                <a:solidFill>
-                  <a:srgbClr val="000000"/>
-                </a:solidFill>
-                <a:effectLst/>
-                <a:latin typeface="微软雅黑" panose="020B0503020204020204" pitchFamily="34" charset="-122"/>
-                <a:ea typeface="微软雅黑" panose="020B0503020204020204" pitchFamily="34" charset="-122"/>
-              </a:rPr>
-              <a:t>：霍夫曼树的内部节点</a:t>
-            </a:r>
-            <a:r>
-              <a:rPr kumimoji="0" lang="zh-CN" altLang="zh-CN" sz="1600" b="0" i="0" u="none" strike="noStrike" cap="none" normalizeH="0" baseline="0" smtClean="0">
-                <a:ln>
-                  <a:noFill/>
-                </a:ln>
-                <a:solidFill>
-                  <a:srgbClr val="000000"/>
-                </a:solidFill>
-                <a:effectLst/>
-                <a:latin typeface="微软雅黑" panose="020B0503020204020204" pitchFamily="34" charset="-122"/>
-                <a:ea typeface="微软雅黑" panose="020B0503020204020204" pitchFamily="34" charset="-122"/>
-              </a:rPr>
-              <a:t>模型参数</a:t>
-            </a:r>
-            <a:r>
-              <a:rPr kumimoji="0" lang="zh-CN" altLang="zh-CN" sz="1600" b="0" i="0" u="none" strike="noStrike" cap="none" normalizeH="0" baseline="0" smtClean="0">
-                <a:ln>
-                  <a:noFill/>
-                </a:ln>
-                <a:solidFill>
-                  <a:srgbClr val="000000"/>
-                </a:solidFill>
-                <a:effectLst/>
-                <a:latin typeface="微软雅黑" panose="020B0503020204020204" pitchFamily="34" charset="-122"/>
-                <a:ea typeface="微软雅黑" panose="020B0503020204020204" pitchFamily="34" charset="-122"/>
-              </a:rPr>
-              <a:t>θ，</a:t>
-            </a:r>
-            <a:r>
-              <a:rPr kumimoji="0" lang="zh-CN" altLang="zh-CN" sz="1600" b="0" i="0" u="none" strike="noStrike" cap="none" normalizeH="0" baseline="0" smtClean="0">
-                <a:ln>
-                  <a:noFill/>
-                </a:ln>
-                <a:solidFill>
-                  <a:srgbClr val="000000"/>
-                </a:solidFill>
-                <a:effectLst/>
-                <a:latin typeface="微软雅黑" panose="020B0503020204020204" pitchFamily="34" charset="-122"/>
-                <a:ea typeface="微软雅黑" panose="020B0503020204020204" pitchFamily="34" charset="-122"/>
-              </a:rPr>
-              <a:t>所有的词</a:t>
-            </a:r>
-            <a:r>
-              <a:rPr kumimoji="0" lang="zh-CN" altLang="zh-CN" sz="1600" b="0" i="0" u="none" strike="noStrike" cap="none" normalizeH="0" baseline="0" smtClean="0">
-                <a:ln>
-                  <a:noFill/>
-                </a:ln>
-                <a:solidFill>
-                  <a:srgbClr val="000000"/>
-                </a:solidFill>
-                <a:effectLst/>
-                <a:latin typeface="微软雅黑" panose="020B0503020204020204" pitchFamily="34" charset="-122"/>
-                <a:ea typeface="微软雅黑" panose="020B0503020204020204" pitchFamily="34" charset="-122"/>
-              </a:rPr>
-              <a:t>向量</a:t>
-            </a:r>
-            <a:r>
-              <a:rPr kumimoji="0" lang="zh-CN" altLang="zh-CN" sz="1600" b="0" i="0" u="none" strike="noStrike" cap="none" normalizeH="0" baseline="0" smtClean="0">
-                <a:ln>
-                  <a:noFill/>
-                </a:ln>
-                <a:solidFill>
-                  <a:srgbClr val="000000"/>
-                </a:solidFill>
-                <a:effectLst/>
-                <a:latin typeface="微软雅黑" panose="020B0503020204020204" pitchFamily="34" charset="-122"/>
-                <a:ea typeface="微软雅黑" panose="020B0503020204020204" pitchFamily="34" charset="-122"/>
-              </a:rPr>
-              <a:t>w</a:t>
+              <a:t>输出：霍夫曼树的内部节点模型参数θ，所有的词向量w</a:t>
             </a:r>
             <a:endParaRPr kumimoji="0" lang="zh-CN" altLang="zh-CN" sz="1600" b="0" i="0" u="none" strike="noStrike" cap="none" normalizeH="0" baseline="0" smtClean="0">
               <a:ln>
@@ -5357,14 +5161,7 @@
                 <a:latin typeface="微软雅黑" panose="020B0503020204020204" pitchFamily="34" charset="-122"/>
                 <a:ea typeface="微软雅黑" panose="020B0503020204020204" pitchFamily="34" charset="-122"/>
               </a:rPr>
-              <a:t>信号开头逐个向后平移，每次平移做一次内积，内积最大的相似度</a:t>
-            </a:r>
-            <a:r>
-              <a:rPr lang="zh-CN" altLang="en-US" sz="1600">
-                <a:latin typeface="微软雅黑" panose="020B0503020204020204" pitchFamily="34" charset="-122"/>
-                <a:ea typeface="微软雅黑" panose="020B0503020204020204" pitchFamily="34" charset="-122"/>
-              </a:rPr>
-              <a:t>最大</a:t>
+              <a:t>信号开头逐个向后平移，每次平移做一次内积，内积最大的相似度最大</a:t>
             </a:r>
             <a:r>
               <a:rPr lang="zh-CN" altLang="en-US" sz="1600" smtClean="0">
@@ -5389,35 +5186,21 @@
                 <a:latin typeface="微软雅黑" panose="020B0503020204020204" pitchFamily="34" charset="-122"/>
                 <a:ea typeface="微软雅黑" panose="020B0503020204020204" pitchFamily="34" charset="-122"/>
               </a:rPr>
-              <a:t>向量内积的结果是没有界限的，一</a:t>
+              <a:t>向量内积的结果是没有界限的，一种</a:t>
+            </a:r>
+            <a:r>
+              <a:rPr lang="zh-CN" altLang="en-US" sz="1600" smtClean="0">
+                <a:latin typeface="微软雅黑" panose="020B0503020204020204" pitchFamily="34" charset="-122"/>
+                <a:ea typeface="微软雅黑" panose="020B0503020204020204" pitchFamily="34" charset="-122"/>
+              </a:rPr>
+              <a:t>解决办法</a:t>
             </a:r>
             <a:r>
               <a:rPr lang="zh-CN" altLang="en-US" sz="1600">
                 <a:latin typeface="微软雅黑" panose="020B0503020204020204" pitchFamily="34" charset="-122"/>
                 <a:ea typeface="微软雅黑" panose="020B0503020204020204" pitchFamily="34" charset="-122"/>
               </a:rPr>
-              <a:t>种</a:t>
-            </a:r>
-            <a:r>
-              <a:rPr lang="zh-CN" altLang="en-US" sz="1600" smtClean="0">
-                <a:latin typeface="微软雅黑" panose="020B0503020204020204" pitchFamily="34" charset="-122"/>
-                <a:ea typeface="微软雅黑" panose="020B0503020204020204" pitchFamily="34" charset="-122"/>
-              </a:rPr>
-              <a:t>解决办法</a:t>
-            </a:r>
-            <a:r>
-              <a:rPr lang="zh-CN" altLang="en-US" sz="1600">
-                <a:latin typeface="微软雅黑" panose="020B0503020204020204" pitchFamily="34" charset="-122"/>
-                <a:ea typeface="微软雅黑" panose="020B0503020204020204" pitchFamily="34" charset="-122"/>
-              </a:rPr>
-              <a:t>是除以长度之后再求内积，这就是应用十分广泛的</a:t>
-            </a:r>
-            <a:r>
-              <a:rPr lang="zh-CN" altLang="en-US" sz="1600">
-                <a:latin typeface="微软雅黑" panose="020B0503020204020204" pitchFamily="34" charset="-122"/>
-                <a:ea typeface="微软雅黑" panose="020B0503020204020204" pitchFamily="34" charset="-122"/>
-              </a:rPr>
-              <a:t>余弦</a:t>
+              <a:t>是除以长度之后再求内积，这就是应用十分广泛的余弦</a:t>
             </a:r>
             <a:r>
               <a:rPr lang="zh-CN" altLang="en-US" sz="1600" smtClean="0">
@@ -5504,10 +5287,6 @@
               </a:rPr>
               <a:t>:</a:t>
             </a:r>
-            <a:endParaRPr lang="en-US" altLang="zh-CN" sz="1600">
-              <a:latin typeface="微软雅黑" panose="020B0503020204020204" pitchFamily="34" charset="-122"/>
-              <a:ea typeface="微软雅黑" panose="020B0503020204020204" pitchFamily="34" charset="-122"/>
-            </a:endParaRPr>
           </a:p>
           <a:p>
             <a:pPr marL="0" indent="0">
@@ -5599,6 +5378,241 @@
       </p:par>
     </p:tnLst>
   </p:timing>
+</p:sld>
+</file>
+
+<file path=ppt/slides/slide15.xml><?xml version="1.0" encoding="utf-8"?>
+<p:sld xmlns:a="http://schemas.openxmlformats.org/drawingml/2006/main" xmlns:r="http://schemas.openxmlformats.org/officeDocument/2006/relationships" xmlns:p="http://schemas.openxmlformats.org/presentationml/2006/main">
+  <p:cSld>
+    <p:spTree>
+      <p:nvGrpSpPr>
+        <p:cNvPr id="1" name=""/>
+        <p:cNvGrpSpPr/>
+        <p:nvPr/>
+      </p:nvGrpSpPr>
+      <p:grpSpPr>
+        <a:xfrm>
+          <a:off x="0" y="0"/>
+          <a:ext cx="0" cy="0"/>
+          <a:chOff x="0" y="0"/>
+          <a:chExt cx="0" cy="0"/>
+        </a:xfrm>
+      </p:grpSpPr>
+      <p:sp>
+        <p:nvSpPr>
+          <p:cNvPr id="2" name="标题 1"/>
+          <p:cNvSpPr>
+            <a:spLocks noGrp="1"/>
+          </p:cNvSpPr>
+          <p:nvPr>
+            <p:ph type="title"/>
+          </p:nvPr>
+        </p:nvSpPr>
+        <p:spPr/>
+        <p:txBody>
+          <a:bodyPr/>
+          <a:lstStyle/>
+          <a:p>
+            <a:r>
+              <a:rPr lang="en-US" altLang="zh-CN" smtClean="0"/>
+              <a:t>Embedding</a:t>
+            </a:r>
+            <a:endParaRPr lang="zh-CN" altLang="en-US"/>
+          </a:p>
+        </p:txBody>
+      </p:sp>
+      <p:sp>
+        <p:nvSpPr>
+          <p:cNvPr id="3" name="内容占位符 2"/>
+          <p:cNvSpPr>
+            <a:spLocks noGrp="1"/>
+          </p:cNvSpPr>
+          <p:nvPr>
+            <p:ph idx="1"/>
+          </p:nvPr>
+        </p:nvSpPr>
+        <p:spPr/>
+        <p:txBody>
+          <a:bodyPr>
+            <a:normAutofit/>
+          </a:bodyPr>
+          <a:lstStyle/>
+          <a:p>
+            <a:pPr>
+              <a:lnSpc>
+                <a:spcPct val="150000"/>
+              </a:lnSpc>
+            </a:pPr>
+            <a:r>
+              <a:rPr lang="en-US" altLang="zh-CN" sz="1600">
+                <a:latin typeface="微软雅黑" panose="020B0503020204020204" pitchFamily="34" charset="-122"/>
+                <a:ea typeface="微软雅黑" panose="020B0503020204020204" pitchFamily="34" charset="-122"/>
+              </a:rPr>
+              <a:t>Embedding</a:t>
+            </a:r>
+            <a:r>
+              <a:rPr lang="zh-CN" altLang="en-US" sz="1600">
+                <a:latin typeface="微软雅黑" panose="020B0503020204020204" pitchFamily="34" charset="-122"/>
+                <a:ea typeface="微软雅黑" panose="020B0503020204020204" pitchFamily="34" charset="-122"/>
+              </a:rPr>
+              <a:t>应该是一层向量列表，二维。</a:t>
+            </a:r>
+            <a:endParaRPr lang="en-US" altLang="zh-CN" sz="1600">
+              <a:latin typeface="微软雅黑" panose="020B0503020204020204" pitchFamily="34" charset="-122"/>
+              <a:ea typeface="微软雅黑" panose="020B0503020204020204" pitchFamily="34" charset="-122"/>
+            </a:endParaRPr>
+          </a:p>
+          <a:p>
+            <a:pPr>
+              <a:lnSpc>
+                <a:spcPct val="150000"/>
+              </a:lnSpc>
+            </a:pPr>
+            <a:endParaRPr lang="en-US" altLang="zh-CN" sz="1600">
+              <a:latin typeface="微软雅黑" panose="020B0503020204020204" pitchFamily="34" charset="-122"/>
+              <a:ea typeface="微软雅黑" panose="020B0503020204020204" pitchFamily="34" charset="-122"/>
+            </a:endParaRPr>
+          </a:p>
+          <a:p>
+            <a:pPr>
+              <a:lnSpc>
+                <a:spcPct val="150000"/>
+              </a:lnSpc>
+            </a:pPr>
+            <a:r>
+              <a:rPr lang="zh-CN" altLang="en-US" sz="1600">
+                <a:latin typeface="微软雅黑" panose="020B0503020204020204" pitchFamily="34" charset="-122"/>
+                <a:ea typeface="微软雅黑" panose="020B0503020204020204" pitchFamily="34" charset="-122"/>
+              </a:rPr>
+              <a:t>构建</a:t>
+            </a:r>
+            <a:r>
+              <a:rPr lang="zh-CN" altLang="en-US" sz="1600">
+                <a:latin typeface="微软雅黑" panose="020B0503020204020204" pitchFamily="34" charset="-122"/>
+                <a:ea typeface="微软雅黑" panose="020B0503020204020204" pitchFamily="34" charset="-122"/>
+              </a:rPr>
+              <a:t>好</a:t>
+            </a:r>
+            <a:r>
+              <a:rPr lang="zh-CN" altLang="en-US" sz="1600">
+                <a:latin typeface="微软雅黑" panose="020B0503020204020204" pitchFamily="34" charset="-122"/>
+                <a:ea typeface="微软雅黑" panose="020B0503020204020204" pitchFamily="34" charset="-122"/>
+              </a:rPr>
+              <a:t>了</a:t>
+            </a:r>
+            <a:r>
+              <a:rPr lang="en-US" altLang="zh-CN" sz="1600">
+                <a:latin typeface="微软雅黑" panose="020B0503020204020204" pitchFamily="34" charset="-122"/>
+                <a:ea typeface="微软雅黑" panose="020B0503020204020204" pitchFamily="34" charset="-122"/>
+              </a:rPr>
+              <a:t>Word</a:t>
+            </a:r>
+            <a:r>
+              <a:rPr lang="zh-CN" altLang="en-US" sz="1600">
+                <a:latin typeface="微软雅黑" panose="020B0503020204020204" pitchFamily="34" charset="-122"/>
+                <a:ea typeface="微软雅黑" panose="020B0503020204020204" pitchFamily="34" charset="-122"/>
+              </a:rPr>
+              <a:t>到对应</a:t>
+            </a:r>
+            <a:r>
+              <a:rPr lang="en-US" altLang="zh-CN" sz="1600">
+                <a:latin typeface="微软雅黑" panose="020B0503020204020204" pitchFamily="34" charset="-122"/>
+                <a:ea typeface="微软雅黑" panose="020B0503020204020204" pitchFamily="34" charset="-122"/>
+              </a:rPr>
+              <a:t>vector</a:t>
+            </a:r>
+            <a:r>
+              <a:rPr lang="zh-CN" altLang="en-US" sz="1600">
+                <a:latin typeface="微软雅黑" panose="020B0503020204020204" pitchFamily="34" charset="-122"/>
+                <a:ea typeface="微软雅黑" panose="020B0503020204020204" pitchFamily="34" charset="-122"/>
+              </a:rPr>
+              <a:t>下标之间的映射，那么，低频词过滤的时候，对</a:t>
+            </a:r>
+            <a:r>
+              <a:rPr lang="en-US" altLang="zh-CN" sz="1600">
+                <a:latin typeface="微软雅黑" panose="020B0503020204020204" pitchFamily="34" charset="-122"/>
+                <a:ea typeface="微软雅黑" panose="020B0503020204020204" pitchFamily="34" charset="-122"/>
+              </a:rPr>
+              <a:t>word2ids</a:t>
+            </a:r>
+            <a:r>
+              <a:rPr lang="zh-CN" altLang="en-US" sz="1600">
+                <a:latin typeface="微软雅黑" panose="020B0503020204020204" pitchFamily="34" charset="-122"/>
+                <a:ea typeface="微软雅黑" panose="020B0503020204020204" pitchFamily="34" charset="-122"/>
+              </a:rPr>
+              <a:t>中低频词的删除即可，那么生成的</a:t>
+            </a:r>
+            <a:r>
+              <a:rPr lang="en-US" altLang="zh-CN" sz="1600">
+                <a:latin typeface="微软雅黑" panose="020B0503020204020204" pitchFamily="34" charset="-122"/>
+                <a:ea typeface="微软雅黑" panose="020B0503020204020204" pitchFamily="34" charset="-122"/>
+              </a:rPr>
+              <a:t>sents</a:t>
+            </a:r>
+            <a:r>
+              <a:rPr lang="zh-CN" altLang="en-US" sz="1600">
+                <a:latin typeface="微软雅黑" panose="020B0503020204020204" pitchFamily="34" charset="-122"/>
+                <a:ea typeface="微软雅黑" panose="020B0503020204020204" pitchFamily="34" charset="-122"/>
+              </a:rPr>
+              <a:t>中就不包含这个词汇，同样也不会产生这个词汇的</a:t>
+            </a:r>
+            <a:r>
+              <a:rPr lang="en-US" altLang="zh-CN" sz="1600">
+                <a:latin typeface="微软雅黑" panose="020B0503020204020204" pitchFamily="34" charset="-122"/>
+                <a:ea typeface="微软雅黑" panose="020B0503020204020204" pitchFamily="34" charset="-122"/>
+              </a:rPr>
+              <a:t>vec</a:t>
+            </a:r>
+            <a:r>
+              <a:rPr lang="zh-CN" altLang="en-US" sz="1600">
+                <a:latin typeface="微软雅黑" panose="020B0503020204020204" pitchFamily="34" charset="-122"/>
+                <a:ea typeface="微软雅黑" panose="020B0503020204020204" pitchFamily="34" charset="-122"/>
+              </a:rPr>
+              <a:t>的下标。</a:t>
+            </a:r>
+            <a:endParaRPr lang="en-US" altLang="zh-CN" sz="1600">
+              <a:latin typeface="微软雅黑" panose="020B0503020204020204" pitchFamily="34" charset="-122"/>
+              <a:ea typeface="微软雅黑" panose="020B0503020204020204" pitchFamily="34" charset="-122"/>
+            </a:endParaRPr>
+          </a:p>
+          <a:p>
+            <a:pPr marL="0" indent="0" algn="ctr">
+              <a:lnSpc>
+                <a:spcPct val="150000"/>
+              </a:lnSpc>
+              <a:buNone/>
+            </a:pPr>
+            <a:r>
+              <a:rPr lang="en-US" altLang="zh-CN" sz="1600" smtClean="0">
+                <a:latin typeface="微软雅黑" panose="020B0503020204020204" pitchFamily="34" charset="-122"/>
+                <a:ea typeface="微软雅黑" panose="020B0503020204020204" pitchFamily="34" charset="-122"/>
+              </a:rPr>
+              <a:t>del </a:t>
+            </a:r>
+            <a:r>
+              <a:rPr lang="en-US" altLang="zh-CN" sz="1600">
+                <a:latin typeface="微软雅黑" panose="020B0503020204020204" pitchFamily="34" charset="-122"/>
+                <a:ea typeface="微软雅黑" panose="020B0503020204020204" pitchFamily="34" charset="-122"/>
+              </a:rPr>
+              <a:t>word2ids[key]</a:t>
+            </a:r>
+            <a:endParaRPr lang="zh-CN" altLang="en-US" sz="1600">
+              <a:latin typeface="微软雅黑" panose="020B0503020204020204" pitchFamily="34" charset="-122"/>
+              <a:ea typeface="微软雅黑" panose="020B0503020204020204" pitchFamily="34" charset="-122"/>
+            </a:endParaRPr>
+          </a:p>
+        </p:txBody>
+      </p:sp>
+    </p:spTree>
+    <p:extLst>
+      <p:ext uri="{BB962C8B-B14F-4D97-AF65-F5344CB8AC3E}">
+        <p14:creationId xmlns:p14="http://schemas.microsoft.com/office/powerpoint/2010/main" val="1648610869"/>
+      </p:ext>
+    </p:extLst>
+  </p:cSld>
+  <p:clrMapOvr>
+    <a:masterClrMapping/>
+  </p:clrMapOvr>
 </p:sld>
 </file>
 
